--- a/WP2 – React.pptx
+++ b/WP2 – React.pptx
@@ -10,10 +10,11 @@
     <p:sldId id="260" r:id="rId4"/>
     <p:sldId id="258" r:id="rId5"/>
     <p:sldId id="259" r:id="rId6"/>
-    <p:sldId id="261" r:id="rId7"/>
-    <p:sldId id="262" r:id="rId8"/>
-    <p:sldId id="263" r:id="rId9"/>
-    <p:sldId id="264" r:id="rId10"/>
+    <p:sldId id="265" r:id="rId7"/>
+    <p:sldId id="261" r:id="rId8"/>
+    <p:sldId id="262" r:id="rId9"/>
+    <p:sldId id="263" r:id="rId10"/>
+    <p:sldId id="264" r:id="rId11"/>
   </p:sldIdLst>
   <p:sldSz cx="12192000" cy="6858000"/>
   <p:notesSz cx="6858000" cy="9144000"/>
@@ -6212,6 +6213,98 @@
 </p:sld>
 </file>
 
+<file path=ppt/slides/slide10.xml><?xml version="1.0" encoding="utf-8"?>
+<p:sld xmlns:a="http://schemas.openxmlformats.org/drawingml/2006/main" xmlns:r="http://schemas.openxmlformats.org/officeDocument/2006/relationships" xmlns:p="http://schemas.openxmlformats.org/presentationml/2006/main">
+  <p:cSld>
+    <p:spTree>
+      <p:nvGrpSpPr>
+        <p:cNvPr id="1" name=""/>
+        <p:cNvGrpSpPr/>
+        <p:nvPr/>
+      </p:nvGrpSpPr>
+      <p:grpSpPr>
+        <a:xfrm>
+          <a:off x="0" y="0"/>
+          <a:ext cx="0" cy="0"/>
+          <a:chOff x="0" y="0"/>
+          <a:chExt cx="0" cy="0"/>
+        </a:xfrm>
+      </p:grpSpPr>
+      <p:sp>
+        <p:nvSpPr>
+          <p:cNvPr id="2" name="Titel 1">
+            <a:extLst>
+              <a:ext uri="{FF2B5EF4-FFF2-40B4-BE49-F238E27FC236}">
+                <a16:creationId xmlns:a16="http://schemas.microsoft.com/office/drawing/2014/main" id="{BDF702DF-4C96-4F5C-925E-4ADF50BA1269}"/>
+              </a:ext>
+            </a:extLst>
+          </p:cNvPr>
+          <p:cNvSpPr>
+            <a:spLocks noGrp="1"/>
+          </p:cNvSpPr>
+          <p:nvPr>
+            <p:ph type="title"/>
+          </p:nvPr>
+        </p:nvSpPr>
+        <p:spPr/>
+        <p:txBody>
+          <a:bodyPr/>
+          <a:lstStyle/>
+          <a:p>
+            <a:r>
+              <a:rPr lang="nl-NL" dirty="0"/>
+              <a:t>Demo van de app -&gt;</a:t>
+            </a:r>
+          </a:p>
+        </p:txBody>
+      </p:sp>
+      <p:pic>
+        <p:nvPicPr>
+          <p:cNvPr id="5" name="Tijdelijke aanduiding voor inhoud 4">
+            <a:extLst>
+              <a:ext uri="{FF2B5EF4-FFF2-40B4-BE49-F238E27FC236}">
+                <a16:creationId xmlns:a16="http://schemas.microsoft.com/office/drawing/2014/main" id="{108583A1-F740-4777-8B2A-4B35A8F6B992}"/>
+              </a:ext>
+            </a:extLst>
+          </p:cNvPr>
+          <p:cNvPicPr>
+            <a:picLocks noGrp="1" noChangeAspect="1"/>
+          </p:cNvPicPr>
+          <p:nvPr>
+            <p:ph idx="1"/>
+          </p:nvPr>
+        </p:nvPicPr>
+        <p:blipFill rotWithShape="1">
+          <a:blip r:embed="rId2">
+            <a:extLst>
+              <a:ext uri="{28A0092B-C50C-407E-A947-70E740481C1C}">
+                <a14:useLocalDpi xmlns:a14="http://schemas.microsoft.com/office/drawing/2010/main" val="0"/>
+              </a:ext>
+            </a:extLst>
+          </a:blip>
+          <a:srcRect l="48532" t="17139" b="3405"/>
+          <a:stretch/>
+        </p:blipFill>
+        <p:spPr>
+          <a:xfrm>
+            <a:off x="3733799" y="1616260"/>
+            <a:ext cx="5514975" cy="4789022"/>
+          </a:xfrm>
+        </p:spPr>
+      </p:pic>
+    </p:spTree>
+    <p:extLst>
+      <p:ext uri="{BB962C8B-B14F-4D97-AF65-F5344CB8AC3E}">
+        <p14:creationId xmlns:p14="http://schemas.microsoft.com/office/powerpoint/2010/main" val="2831101832"/>
+      </p:ext>
+    </p:extLst>
+  </p:cSld>
+  <p:clrMapOvr>
+    <a:masterClrMapping/>
+  </p:clrMapOvr>
+</p:sld>
+</file>
+
 <file path=ppt/slides/slide2.xml><?xml version="1.0" encoding="utf-8"?>
 <p:sld xmlns:a="http://schemas.openxmlformats.org/drawingml/2006/main" xmlns:r="http://schemas.openxmlformats.org/officeDocument/2006/relationships" xmlns:p="http://schemas.openxmlformats.org/presentationml/2006/main">
   <p:cSld>
@@ -6619,6 +6712,98 @@
           <p:cNvPr id="2" name="Titel 1">
             <a:extLst>
               <a:ext uri="{FF2B5EF4-FFF2-40B4-BE49-F238E27FC236}">
+                <a16:creationId xmlns:a16="http://schemas.microsoft.com/office/drawing/2014/main" id="{03DC0891-C4A0-47F1-8A21-AF524E231C81}"/>
+              </a:ext>
+            </a:extLst>
+          </p:cNvPr>
+          <p:cNvSpPr>
+            <a:spLocks noGrp="1"/>
+          </p:cNvSpPr>
+          <p:nvPr>
+            <p:ph type="title"/>
+          </p:nvPr>
+        </p:nvSpPr>
+        <p:spPr/>
+        <p:txBody>
+          <a:bodyPr/>
+          <a:lstStyle/>
+          <a:p>
+            <a:r>
+              <a:rPr lang="nl-NL" dirty="0"/>
+              <a:t>Gebruik:</a:t>
+            </a:r>
+          </a:p>
+        </p:txBody>
+      </p:sp>
+      <p:pic>
+        <p:nvPicPr>
+          <p:cNvPr id="7" name="Tijdelijke aanduiding voor inhoud 6">
+            <a:extLst>
+              <a:ext uri="{FF2B5EF4-FFF2-40B4-BE49-F238E27FC236}">
+                <a16:creationId xmlns:a16="http://schemas.microsoft.com/office/drawing/2014/main" id="{6C90030A-B607-406B-A5EE-BED632AF7784}"/>
+              </a:ext>
+            </a:extLst>
+          </p:cNvPr>
+          <p:cNvPicPr>
+            <a:picLocks noGrp="1" noChangeAspect="1"/>
+          </p:cNvPicPr>
+          <p:nvPr>
+            <p:ph idx="1"/>
+          </p:nvPr>
+        </p:nvPicPr>
+        <p:blipFill rotWithShape="1">
+          <a:blip r:embed="rId2">
+            <a:extLst>
+              <a:ext uri="{28A0092B-C50C-407E-A947-70E740481C1C}">
+                <a14:useLocalDpi xmlns:a14="http://schemas.microsoft.com/office/drawing/2010/main" val="0"/>
+              </a:ext>
+            </a:extLst>
+          </a:blip>
+          <a:srcRect l="24505" t="30499" r="2767" b="29641"/>
+          <a:stretch/>
+        </p:blipFill>
+        <p:spPr>
+          <a:xfrm>
+            <a:off x="545942" y="1853248"/>
+            <a:ext cx="11100115" cy="3422138"/>
+          </a:xfrm>
+        </p:spPr>
+      </p:pic>
+    </p:spTree>
+    <p:extLst>
+      <p:ext uri="{BB962C8B-B14F-4D97-AF65-F5344CB8AC3E}">
+        <p14:creationId xmlns:p14="http://schemas.microsoft.com/office/powerpoint/2010/main" val="4166838735"/>
+      </p:ext>
+    </p:extLst>
+  </p:cSld>
+  <p:clrMapOvr>
+    <a:masterClrMapping/>
+  </p:clrMapOvr>
+</p:sld>
+</file>
+
+<file path=ppt/slides/slide7.xml><?xml version="1.0" encoding="utf-8"?>
+<p:sld xmlns:a="http://schemas.openxmlformats.org/drawingml/2006/main" xmlns:r="http://schemas.openxmlformats.org/officeDocument/2006/relationships" xmlns:p="http://schemas.openxmlformats.org/presentationml/2006/main">
+  <p:cSld>
+    <p:spTree>
+      <p:nvGrpSpPr>
+        <p:cNvPr id="1" name=""/>
+        <p:cNvGrpSpPr/>
+        <p:nvPr/>
+      </p:nvGrpSpPr>
+      <p:grpSpPr>
+        <a:xfrm>
+          <a:off x="0" y="0"/>
+          <a:ext cx="0" cy="0"/>
+          <a:chOff x="0" y="0"/>
+          <a:chExt cx="0" cy="0"/>
+        </a:xfrm>
+      </p:grpSpPr>
+      <p:sp>
+        <p:nvSpPr>
+          <p:cNvPr id="2" name="Titel 1">
+            <a:extLst>
+              <a:ext uri="{FF2B5EF4-FFF2-40B4-BE49-F238E27FC236}">
                 <a16:creationId xmlns:a16="http://schemas.microsoft.com/office/drawing/2014/main" id="{64C36C19-B4B3-4318-B569-43272ECA7A39}"/>
               </a:ext>
             </a:extLst>
@@ -6689,7 +6874,7 @@
 </p:sld>
 </file>
 
-<file path=ppt/slides/slide7.xml><?xml version="1.0" encoding="utf-8"?>
+<file path=ppt/slides/slide8.xml><?xml version="1.0" encoding="utf-8"?>
 <p:sld xmlns:a="http://schemas.openxmlformats.org/drawingml/2006/main" xmlns:r="http://schemas.openxmlformats.org/officeDocument/2006/relationships" xmlns:p="http://schemas.openxmlformats.org/presentationml/2006/main">
   <p:cSld>
     <p:spTree>
@@ -6781,7 +6966,7 @@
 </p:sld>
 </file>
 
-<file path=ppt/slides/slide8.xml><?xml version="1.0" encoding="utf-8"?>
+<file path=ppt/slides/slide9.xml><?xml version="1.0" encoding="utf-8"?>
 <p:sld xmlns:a="http://schemas.openxmlformats.org/drawingml/2006/main" xmlns:r="http://schemas.openxmlformats.org/officeDocument/2006/relationships" xmlns:p="http://schemas.openxmlformats.org/presentationml/2006/main">
   <p:cSld>
     <p:spTree>
@@ -6864,98 +7049,6 @@
     <p:extLst>
       <p:ext uri="{BB962C8B-B14F-4D97-AF65-F5344CB8AC3E}">
         <p14:creationId xmlns:p14="http://schemas.microsoft.com/office/powerpoint/2010/main" val="2945101152"/>
-      </p:ext>
-    </p:extLst>
-  </p:cSld>
-  <p:clrMapOvr>
-    <a:masterClrMapping/>
-  </p:clrMapOvr>
-</p:sld>
-</file>
-
-<file path=ppt/slides/slide9.xml><?xml version="1.0" encoding="utf-8"?>
-<p:sld xmlns:a="http://schemas.openxmlformats.org/drawingml/2006/main" xmlns:r="http://schemas.openxmlformats.org/officeDocument/2006/relationships" xmlns:p="http://schemas.openxmlformats.org/presentationml/2006/main">
-  <p:cSld>
-    <p:spTree>
-      <p:nvGrpSpPr>
-        <p:cNvPr id="1" name=""/>
-        <p:cNvGrpSpPr/>
-        <p:nvPr/>
-      </p:nvGrpSpPr>
-      <p:grpSpPr>
-        <a:xfrm>
-          <a:off x="0" y="0"/>
-          <a:ext cx="0" cy="0"/>
-          <a:chOff x="0" y="0"/>
-          <a:chExt cx="0" cy="0"/>
-        </a:xfrm>
-      </p:grpSpPr>
-      <p:sp>
-        <p:nvSpPr>
-          <p:cNvPr id="2" name="Titel 1">
-            <a:extLst>
-              <a:ext uri="{FF2B5EF4-FFF2-40B4-BE49-F238E27FC236}">
-                <a16:creationId xmlns:a16="http://schemas.microsoft.com/office/drawing/2014/main" id="{BDF702DF-4C96-4F5C-925E-4ADF50BA1269}"/>
-              </a:ext>
-            </a:extLst>
-          </p:cNvPr>
-          <p:cNvSpPr>
-            <a:spLocks noGrp="1"/>
-          </p:cNvSpPr>
-          <p:nvPr>
-            <p:ph type="title"/>
-          </p:nvPr>
-        </p:nvSpPr>
-        <p:spPr/>
-        <p:txBody>
-          <a:bodyPr/>
-          <a:lstStyle/>
-          <a:p>
-            <a:r>
-              <a:rPr lang="nl-NL" dirty="0"/>
-              <a:t>Demo van de app -&gt;</a:t>
-            </a:r>
-          </a:p>
-        </p:txBody>
-      </p:sp>
-      <p:pic>
-        <p:nvPicPr>
-          <p:cNvPr id="5" name="Tijdelijke aanduiding voor inhoud 4">
-            <a:extLst>
-              <a:ext uri="{FF2B5EF4-FFF2-40B4-BE49-F238E27FC236}">
-                <a16:creationId xmlns:a16="http://schemas.microsoft.com/office/drawing/2014/main" id="{108583A1-F740-4777-8B2A-4B35A8F6B992}"/>
-              </a:ext>
-            </a:extLst>
-          </p:cNvPr>
-          <p:cNvPicPr>
-            <a:picLocks noGrp="1" noChangeAspect="1"/>
-          </p:cNvPicPr>
-          <p:nvPr>
-            <p:ph idx="1"/>
-          </p:nvPr>
-        </p:nvPicPr>
-        <p:blipFill rotWithShape="1">
-          <a:blip r:embed="rId2">
-            <a:extLst>
-              <a:ext uri="{28A0092B-C50C-407E-A947-70E740481C1C}">
-                <a14:useLocalDpi xmlns:a14="http://schemas.microsoft.com/office/drawing/2010/main" val="0"/>
-              </a:ext>
-            </a:extLst>
-          </a:blip>
-          <a:srcRect l="48532" t="17139" b="3405"/>
-          <a:stretch/>
-        </p:blipFill>
-        <p:spPr>
-          <a:xfrm>
-            <a:off x="3733799" y="1616260"/>
-            <a:ext cx="5514975" cy="4789022"/>
-          </a:xfrm>
-        </p:spPr>
-      </p:pic>
-    </p:spTree>
-    <p:extLst>
-      <p:ext uri="{BB962C8B-B14F-4D97-AF65-F5344CB8AC3E}">
-        <p14:creationId xmlns:p14="http://schemas.microsoft.com/office/powerpoint/2010/main" val="2831101832"/>
       </p:ext>
     </p:extLst>
   </p:cSld>
